--- a/course/work/20250216_第二次作业 v1.0.pptx
+++ b/course/work/20250216_第二次作业 v1.0.pptx
@@ -234,7 +234,7 @@
             <a:fld id="{D2A48B96-639E-45A3-A0BA-2464DFDB1FAA}" type="datetimeFigureOut">
               <a:rPr lang="zh-CN" altLang="en-US" smtClean="0"/>
               <a:pPr/>
-              <a:t>2025-02-17</a:t>
+              <a:t>2025-02-26</a:t>
             </a:fld>
             <a:endParaRPr lang="zh-CN" altLang="en-US"/>
           </a:p>
@@ -908,7 +908,7 @@
             <a:fld id="{82F288E0-7875-42C4-84C8-98DBBD3BF4D2}" type="datetimeFigureOut">
               <a:rPr lang="zh-CN" altLang="en-US" smtClean="0"/>
               <a:pPr/>
-              <a:t>2025-02-17</a:t>
+              <a:t>2025-02-26</a:t>
             </a:fld>
             <a:endParaRPr lang="zh-CN" altLang="en-US"/>
           </a:p>
@@ -1056,7 +1056,7 @@
             <a:fld id="{82F288E0-7875-42C4-84C8-98DBBD3BF4D2}" type="datetimeFigureOut">
               <a:rPr lang="zh-CN" altLang="en-US" smtClean="0"/>
               <a:pPr/>
-              <a:t>2025-02-17</a:t>
+              <a:t>2025-02-26</a:t>
             </a:fld>
             <a:endParaRPr lang="zh-CN" altLang="en-US"/>
           </a:p>
@@ -1221,7 +1221,7 @@
             <a:fld id="{82F288E0-7875-42C4-84C8-98DBBD3BF4D2}" type="datetimeFigureOut">
               <a:rPr lang="zh-CN" altLang="en-US" smtClean="0"/>
               <a:pPr/>
-              <a:t>2025-02-17</a:t>
+              <a:t>2025-02-26</a:t>
             </a:fld>
             <a:endParaRPr lang="zh-CN" altLang="en-US"/>
           </a:p>
@@ -1463,7 +1463,7 @@
             <a:fld id="{82F288E0-7875-42C4-84C8-98DBBD3BF4D2}" type="datetimeFigureOut">
               <a:rPr lang="zh-CN" altLang="en-US" smtClean="0"/>
               <a:pPr/>
-              <a:t>2025-02-17</a:t>
+              <a:t>2025-02-26</a:t>
             </a:fld>
             <a:endParaRPr lang="zh-CN" altLang="en-US"/>
           </a:p>
@@ -1689,7 +1689,7 @@
             <a:fld id="{82F288E0-7875-42C4-84C8-98DBBD3BF4D2}" type="datetimeFigureOut">
               <a:rPr lang="zh-CN" altLang="en-US" smtClean="0"/>
               <a:pPr/>
-              <a:t>2025-02-17</a:t>
+              <a:t>2025-02-26</a:t>
             </a:fld>
             <a:endParaRPr lang="zh-CN" altLang="en-US"/>
           </a:p>
@@ -2050,7 +2050,7 @@
             <a:fld id="{82F288E0-7875-42C4-84C8-98DBBD3BF4D2}" type="datetimeFigureOut">
               <a:rPr lang="zh-CN" altLang="en-US" smtClean="0"/>
               <a:pPr/>
-              <a:t>2025-02-17</a:t>
+              <a:t>2025-02-26</a:t>
             </a:fld>
             <a:endParaRPr lang="zh-CN" altLang="en-US"/>
           </a:p>
@@ -2164,7 +2164,7 @@
             <a:fld id="{82F288E0-7875-42C4-84C8-98DBBD3BF4D2}" type="datetimeFigureOut">
               <a:rPr lang="zh-CN" altLang="en-US" smtClean="0"/>
               <a:pPr/>
-              <a:t>2025-02-17</a:t>
+              <a:t>2025-02-26</a:t>
             </a:fld>
             <a:endParaRPr lang="zh-CN" altLang="en-US"/>
           </a:p>
@@ -2256,7 +2256,7 @@
             <a:fld id="{82F288E0-7875-42C4-84C8-98DBBD3BF4D2}" type="datetimeFigureOut">
               <a:rPr lang="zh-CN" altLang="en-US" smtClean="0"/>
               <a:pPr/>
-              <a:t>2025-02-17</a:t>
+              <a:t>2025-02-26</a:t>
             </a:fld>
             <a:endParaRPr lang="zh-CN" altLang="en-US"/>
           </a:p>
@@ -2505,7 +2505,7 @@
             <a:fld id="{82F288E0-7875-42C4-84C8-98DBBD3BF4D2}" type="datetimeFigureOut">
               <a:rPr lang="zh-CN" altLang="en-US" smtClean="0"/>
               <a:pPr/>
-              <a:t>2025-02-17</a:t>
+              <a:t>2025-02-26</a:t>
             </a:fld>
             <a:endParaRPr lang="zh-CN" altLang="en-US"/>
           </a:p>
@@ -2680,7 +2680,7 @@
             <a:fld id="{82F288E0-7875-42C4-84C8-98DBBD3BF4D2}" type="datetimeFigureOut">
               <a:rPr lang="zh-CN" altLang="en-US" smtClean="0"/>
               <a:pPr/>
-              <a:t>2025-02-17</a:t>
+              <a:t>2025-02-26</a:t>
             </a:fld>
             <a:endParaRPr lang="zh-CN" altLang="en-US"/>
           </a:p>
@@ -2888,7 +2888,7 @@
             <a:fld id="{82F288E0-7875-42C4-84C8-98DBBD3BF4D2}" type="datetimeFigureOut">
               <a:rPr lang="zh-CN" altLang="en-US" smtClean="0"/>
               <a:pPr/>
-              <a:t>2025-02-17</a:t>
+              <a:t>2025-02-26</a:t>
             </a:fld>
             <a:endParaRPr lang="zh-CN" altLang="en-US"/>
           </a:p>
